--- a/PHP - Personal Home Page/PHP - Personal Home Page.pptx
+++ b/PHP - Personal Home Page/PHP - Personal Home Page.pptx
@@ -9,6 +9,7 @@
     <p:sldId id="256" r:id="rId3"/>
     <p:sldId id="258" r:id="rId4"/>
     <p:sldId id="259" r:id="rId5"/>
+    <p:sldId id="260" r:id="rId6"/>
   </p:sldIdLst>
   <p:sldSz cx="9144000" cy="6858000" type="screen4x3"/>
   <p:notesSz cx="6858000" cy="9144000"/>
@@ -416,7 +417,7 @@
           <a:p>
             <a:fld id="{017ABD26-09A3-41B3-9F5E-FB7865822762}" type="datetimeFigureOut">
               <a:rPr lang="en-IN" smtClean="0"/>
-              <a:t>05-07-2023</a:t>
+              <a:t>06-07-2023</a:t>
             </a:fld>
             <a:endParaRPr lang="en-IN"/>
           </a:p>
@@ -601,7 +602,7 @@
           <a:p>
             <a:fld id="{017ABD26-09A3-41B3-9F5E-FB7865822762}" type="datetimeFigureOut">
               <a:rPr lang="en-IN" smtClean="0"/>
-              <a:t>05-07-2023</a:t>
+              <a:t>06-07-2023</a:t>
             </a:fld>
             <a:endParaRPr lang="en-IN"/>
           </a:p>
@@ -786,7 +787,7 @@
           <a:p>
             <a:fld id="{017ABD26-09A3-41B3-9F5E-FB7865822762}" type="datetimeFigureOut">
               <a:rPr lang="en-IN" smtClean="0"/>
-              <a:t>05-07-2023</a:t>
+              <a:t>06-07-2023</a:t>
             </a:fld>
             <a:endParaRPr lang="en-IN"/>
           </a:p>
@@ -957,7 +958,7 @@
           <a:p>
             <a:fld id="{017ABD26-09A3-41B3-9F5E-FB7865822762}" type="datetimeFigureOut">
               <a:rPr lang="en-IN" smtClean="0"/>
-              <a:t>05-07-2023</a:t>
+              <a:t>06-07-2023</a:t>
             </a:fld>
             <a:endParaRPr lang="en-IN"/>
           </a:p>
@@ -1183,7 +1184,7 @@
           <a:p>
             <a:fld id="{017ABD26-09A3-41B3-9F5E-FB7865822762}" type="datetimeFigureOut">
               <a:rPr lang="en-IN" smtClean="0"/>
-              <a:t>05-07-2023</a:t>
+              <a:t>06-07-2023</a:t>
             </a:fld>
             <a:endParaRPr lang="en-IN"/>
           </a:p>
@@ -1427,7 +1428,7 @@
           <a:p>
             <a:fld id="{017ABD26-09A3-41B3-9F5E-FB7865822762}" type="datetimeFigureOut">
               <a:rPr lang="en-IN" smtClean="0"/>
-              <a:t>05-07-2023</a:t>
+              <a:t>06-07-2023</a:t>
             </a:fld>
             <a:endParaRPr lang="en-IN"/>
           </a:p>
@@ -1691,7 +1692,7 @@
           <a:p>
             <a:fld id="{017ABD26-09A3-41B3-9F5E-FB7865822762}" type="datetimeFigureOut">
               <a:rPr lang="en-IN" smtClean="0"/>
-              <a:t>05-07-2023</a:t>
+              <a:t>06-07-2023</a:t>
             </a:fld>
             <a:endParaRPr lang="en-IN"/>
           </a:p>
@@ -2065,7 +2066,7 @@
           <a:p>
             <a:fld id="{017ABD26-09A3-41B3-9F5E-FB7865822762}" type="datetimeFigureOut">
               <a:rPr lang="en-IN" smtClean="0"/>
-              <a:t>05-07-2023</a:t>
+              <a:t>06-07-2023</a:t>
             </a:fld>
             <a:endParaRPr lang="en-IN"/>
           </a:p>
@@ -2178,7 +2179,7 @@
           <a:p>
             <a:fld id="{017ABD26-09A3-41B3-9F5E-FB7865822762}" type="datetimeFigureOut">
               <a:rPr lang="en-IN" smtClean="0"/>
-              <a:t>05-07-2023</a:t>
+              <a:t>06-07-2023</a:t>
             </a:fld>
             <a:endParaRPr lang="en-IN"/>
           </a:p>
@@ -2268,7 +2269,7 @@
           <a:p>
             <a:fld id="{017ABD26-09A3-41B3-9F5E-FB7865822762}" type="datetimeFigureOut">
               <a:rPr lang="en-IN" smtClean="0"/>
-              <a:t>05-07-2023</a:t>
+              <a:t>06-07-2023</a:t>
             </a:fld>
             <a:endParaRPr lang="en-IN"/>
           </a:p>
@@ -2526,7 +2527,7 @@
           <a:p>
             <a:fld id="{017ABD26-09A3-41B3-9F5E-FB7865822762}" type="datetimeFigureOut">
               <a:rPr lang="en-IN" smtClean="0"/>
-              <a:t>05-07-2023</a:t>
+              <a:t>06-07-2023</a:t>
             </a:fld>
             <a:endParaRPr lang="en-IN"/>
           </a:p>
@@ -2707,7 +2708,7 @@
           <a:p>
             <a:fld id="{017ABD26-09A3-41B3-9F5E-FB7865822762}" type="datetimeFigureOut">
               <a:rPr lang="en-IN" smtClean="0"/>
-              <a:t>05-07-2023</a:t>
+              <a:t>06-07-2023</a:t>
             </a:fld>
             <a:endParaRPr lang="en-IN"/>
           </a:p>
@@ -2975,7 +2976,7 @@
           <a:p>
             <a:fld id="{017ABD26-09A3-41B3-9F5E-FB7865822762}" type="datetimeFigureOut">
               <a:rPr lang="en-IN" smtClean="0"/>
-              <a:t>05-07-2023</a:t>
+              <a:t>06-07-2023</a:t>
             </a:fld>
             <a:endParaRPr lang="en-IN"/>
           </a:p>
@@ -3140,7 +3141,7 @@
           <a:p>
             <a:fld id="{017ABD26-09A3-41B3-9F5E-FB7865822762}" type="datetimeFigureOut">
               <a:rPr lang="en-IN" smtClean="0"/>
-              <a:t>05-07-2023</a:t>
+              <a:t>06-07-2023</a:t>
             </a:fld>
             <a:endParaRPr lang="en-IN"/>
           </a:p>
@@ -3315,7 +3316,7 @@
           <a:p>
             <a:fld id="{017ABD26-09A3-41B3-9F5E-FB7865822762}" type="datetimeFigureOut">
               <a:rPr lang="en-IN" smtClean="0"/>
-              <a:t>05-07-2023</a:t>
+              <a:t>06-07-2023</a:t>
             </a:fld>
             <a:endParaRPr lang="en-IN"/>
           </a:p>
@@ -3692,7 +3693,7 @@
           <a:p>
             <a:fld id="{017ABD26-09A3-41B3-9F5E-FB7865822762}" type="datetimeFigureOut">
               <a:rPr lang="en-IN" smtClean="0"/>
-              <a:t>05-07-2023</a:t>
+              <a:t>06-07-2023</a:t>
             </a:fld>
             <a:endParaRPr lang="en-IN"/>
           </a:p>
@@ -3961,7 +3962,7 @@
           <a:p>
             <a:fld id="{017ABD26-09A3-41B3-9F5E-FB7865822762}" type="datetimeFigureOut">
               <a:rPr lang="en-IN" smtClean="0"/>
-              <a:t>05-07-2023</a:t>
+              <a:t>06-07-2023</a:t>
             </a:fld>
             <a:endParaRPr lang="en-IN"/>
           </a:p>
@@ -4346,7 +4347,7 @@
           <a:p>
             <a:fld id="{017ABD26-09A3-41B3-9F5E-FB7865822762}" type="datetimeFigureOut">
               <a:rPr lang="en-IN" smtClean="0"/>
-              <a:t>05-07-2023</a:t>
+              <a:t>06-07-2023</a:t>
             </a:fld>
             <a:endParaRPr lang="en-IN"/>
           </a:p>
@@ -4467,7 +4468,7 @@
           <a:p>
             <a:fld id="{017ABD26-09A3-41B3-9F5E-FB7865822762}" type="datetimeFigureOut">
               <a:rPr lang="en-IN" smtClean="0"/>
-              <a:t>05-07-2023</a:t>
+              <a:t>06-07-2023</a:t>
             </a:fld>
             <a:endParaRPr lang="en-IN"/>
           </a:p>
@@ -4647,7 +4648,7 @@
           <a:p>
             <a:fld id="{017ABD26-09A3-41B3-9F5E-FB7865822762}" type="datetimeFigureOut">
               <a:rPr lang="en-IN" smtClean="0"/>
-              <a:t>05-07-2023</a:t>
+              <a:t>06-07-2023</a:t>
             </a:fld>
             <a:endParaRPr lang="en-IN"/>
           </a:p>
@@ -4981,7 +4982,7 @@
           <a:p>
             <a:fld id="{017ABD26-09A3-41B3-9F5E-FB7865822762}" type="datetimeFigureOut">
               <a:rPr lang="en-IN" smtClean="0"/>
-              <a:t>05-07-2023</a:t>
+              <a:t>06-07-2023</a:t>
             </a:fld>
             <a:endParaRPr lang="en-IN"/>
           </a:p>
@@ -5350,7 +5351,7 @@
           <a:p>
             <a:fld id="{017ABD26-09A3-41B3-9F5E-FB7865822762}" type="datetimeFigureOut">
               <a:rPr lang="en-IN" smtClean="0"/>
-              <a:t>05-07-2023</a:t>
+              <a:t>06-07-2023</a:t>
             </a:fld>
             <a:endParaRPr lang="en-IN"/>
           </a:p>
@@ -5768,7 +5769,7 @@
           <a:p>
             <a:fld id="{017ABD26-09A3-41B3-9F5E-FB7865822762}" type="datetimeFigureOut">
               <a:rPr lang="en-IN" smtClean="0"/>
-              <a:t>05-07-2023</a:t>
+              <a:t>06-07-2023</a:t>
             </a:fld>
             <a:endParaRPr lang="en-IN"/>
           </a:p>
@@ -6352,7 +6353,7 @@
           <a:p>
             <a:fld id="{017ABD26-09A3-41B3-9F5E-FB7865822762}" type="datetimeFigureOut">
               <a:rPr lang="en-IN" smtClean="0"/>
-              <a:t>05-07-2023</a:t>
+              <a:t>06-07-2023</a:t>
             </a:fld>
             <a:endParaRPr lang="en-IN"/>
           </a:p>
@@ -8205,6 +8206,36 @@
       </p:par>
     </p:tnLst>
   </p:timing>
+</p:sld>
+</file>
+
+<file path=ppt/slides/slide4.xml><?xml version="1.0" encoding="utf-8"?>
+<p:sld xmlns:a="http://schemas.openxmlformats.org/drawingml/2006/main" xmlns:r="http://schemas.openxmlformats.org/officeDocument/2006/relationships" xmlns:p="http://schemas.openxmlformats.org/presentationml/2006/main">
+  <p:cSld>
+    <p:spTree>
+      <p:nvGrpSpPr>
+        <p:cNvPr id="1" name=""/>
+        <p:cNvGrpSpPr/>
+        <p:nvPr/>
+      </p:nvGrpSpPr>
+      <p:grpSpPr>
+        <a:xfrm>
+          <a:off x="0" y="0"/>
+          <a:ext cx="0" cy="0"/>
+          <a:chOff x="0" y="0"/>
+          <a:chExt cx="0" cy="0"/>
+        </a:xfrm>
+      </p:grpSpPr>
+    </p:spTree>
+    <p:extLst>
+      <p:ext uri="{BB962C8B-B14F-4D97-AF65-F5344CB8AC3E}">
+        <p14:creationId xmlns:p14="http://schemas.microsoft.com/office/powerpoint/2010/main" val="3531975650"/>
+      </p:ext>
+    </p:extLst>
+  </p:cSld>
+  <p:clrMapOvr>
+    <a:masterClrMapping/>
+  </p:clrMapOvr>
 </p:sld>
 </file>
 
